--- a/Y1S2/DPPD/Tipurile educatiei.pptx
+++ b/Y1S2/DPPD/Tipurile educatiei.pptx
@@ -465,7 +465,7 @@
           <a:p>
             <a:fld id="{0847398A-FC4A-455B-8359-DE5F3E079A17}" type="datetimeFigureOut">
               <a:rPr lang="en-US" smtClean="0"/>
-              <a:t>3/19/2022</a:t>
+              <a:t>3/23/2022</a:t>
             </a:fld>
             <a:endParaRPr lang="en-US"/>
           </a:p>
@@ -1553,7 +1553,7 @@
           <a:p>
             <a:fld id="{0847398A-FC4A-455B-8359-DE5F3E079A17}" type="datetimeFigureOut">
               <a:rPr lang="en-US" smtClean="0"/>
-              <a:t>3/19/2022</a:t>
+              <a:t>3/23/2022</a:t>
             </a:fld>
             <a:endParaRPr lang="en-US"/>
           </a:p>
@@ -2533,7 +2533,7 @@
           <a:p>
             <a:fld id="{0847398A-FC4A-455B-8359-DE5F3E079A17}" type="datetimeFigureOut">
               <a:rPr lang="en-US" smtClean="0"/>
-              <a:t>3/19/2022</a:t>
+              <a:t>3/23/2022</a:t>
             </a:fld>
             <a:endParaRPr lang="en-US"/>
           </a:p>
@@ -3667,7 +3667,7 @@
           <a:p>
             <a:fld id="{0847398A-FC4A-455B-8359-DE5F3E079A17}" type="datetimeFigureOut">
               <a:rPr lang="en-US" smtClean="0"/>
-              <a:t>3/19/2022</a:t>
+              <a:t>3/23/2022</a:t>
             </a:fld>
             <a:endParaRPr lang="en-US"/>
           </a:p>
@@ -4700,7 +4700,7 @@
           <a:p>
             <a:fld id="{0847398A-FC4A-455B-8359-DE5F3E079A17}" type="datetimeFigureOut">
               <a:rPr lang="en-US" smtClean="0"/>
-              <a:t>3/19/2022</a:t>
+              <a:t>3/23/2022</a:t>
             </a:fld>
             <a:endParaRPr lang="en-US"/>
           </a:p>
@@ -5360,7 +5360,7 @@
           <a:p>
             <a:fld id="{0847398A-FC4A-455B-8359-DE5F3E079A17}" type="datetimeFigureOut">
               <a:rPr lang="en-US" smtClean="0"/>
-              <a:t>3/19/2022</a:t>
+              <a:t>3/23/2022</a:t>
             </a:fld>
             <a:endParaRPr lang="en-US"/>
           </a:p>
@@ -6221,7 +6221,7 @@
           <a:p>
             <a:fld id="{0847398A-FC4A-455B-8359-DE5F3E079A17}" type="datetimeFigureOut">
               <a:rPr lang="en-US" smtClean="0"/>
-              <a:t>3/19/2022</a:t>
+              <a:t>3/23/2022</a:t>
             </a:fld>
             <a:endParaRPr lang="en-US"/>
           </a:p>
@@ -6411,7 +6411,7 @@
           <a:p>
             <a:fld id="{0847398A-FC4A-455B-8359-DE5F3E079A17}" type="datetimeFigureOut">
               <a:rPr lang="en-US" smtClean="0"/>
-              <a:t>3/19/2022</a:t>
+              <a:t>3/23/2022</a:t>
             </a:fld>
             <a:endParaRPr lang="en-US"/>
           </a:p>
@@ -7383,7 +7383,7 @@
           <a:p>
             <a:fld id="{0847398A-FC4A-455B-8359-DE5F3E079A17}" type="datetimeFigureOut">
               <a:rPr lang="en-US" smtClean="0"/>
-              <a:t>3/19/2022</a:t>
+              <a:t>3/23/2022</a:t>
             </a:fld>
             <a:endParaRPr lang="en-US"/>
           </a:p>
@@ -7594,7 +7594,7 @@
           <a:p>
             <a:fld id="{0847398A-FC4A-455B-8359-DE5F3E079A17}" type="datetimeFigureOut">
               <a:rPr lang="en-US" smtClean="0"/>
-              <a:t>3/19/2022</a:t>
+              <a:t>3/23/2022</a:t>
             </a:fld>
             <a:endParaRPr lang="en-US"/>
           </a:p>
@@ -8628,7 +8628,7 @@
           <a:p>
             <a:fld id="{0847398A-FC4A-455B-8359-DE5F3E079A17}" type="datetimeFigureOut">
               <a:rPr lang="en-US" smtClean="0"/>
-              <a:t>3/19/2022</a:t>
+              <a:t>3/23/2022</a:t>
             </a:fld>
             <a:endParaRPr lang="en-US"/>
           </a:p>
@@ -8900,7 +8900,7 @@
           <a:p>
             <a:fld id="{0847398A-FC4A-455B-8359-DE5F3E079A17}" type="datetimeFigureOut">
               <a:rPr lang="en-US" smtClean="0"/>
-              <a:t>3/19/2022</a:t>
+              <a:t>3/23/2022</a:t>
             </a:fld>
             <a:endParaRPr lang="en-US"/>
           </a:p>
@@ -9310,7 +9310,7 @@
           <a:p>
             <a:fld id="{0847398A-FC4A-455B-8359-DE5F3E079A17}" type="datetimeFigureOut">
               <a:rPr lang="en-US" smtClean="0"/>
-              <a:t>3/19/2022</a:t>
+              <a:t>3/23/2022</a:t>
             </a:fld>
             <a:endParaRPr lang="en-US"/>
           </a:p>
@@ -9437,7 +9437,7 @@
           <a:p>
             <a:fld id="{0847398A-FC4A-455B-8359-DE5F3E079A17}" type="datetimeFigureOut">
               <a:rPr lang="en-US" smtClean="0"/>
-              <a:t>3/19/2022</a:t>
+              <a:t>3/23/2022</a:t>
             </a:fld>
             <a:endParaRPr lang="en-US"/>
           </a:p>
@@ -9532,7 +9532,7 @@
           <a:p>
             <a:fld id="{0847398A-FC4A-455B-8359-DE5F3E079A17}" type="datetimeFigureOut">
               <a:rPr lang="en-US" smtClean="0"/>
-              <a:t>3/19/2022</a:t>
+              <a:t>3/23/2022</a:t>
             </a:fld>
             <a:endParaRPr lang="en-US"/>
           </a:p>
@@ -10613,7 +10613,7 @@
           <a:p>
             <a:fld id="{0847398A-FC4A-455B-8359-DE5F3E079A17}" type="datetimeFigureOut">
               <a:rPr lang="en-US" smtClean="0"/>
-              <a:t>3/19/2022</a:t>
+              <a:t>3/23/2022</a:t>
             </a:fld>
             <a:endParaRPr lang="en-US"/>
           </a:p>
@@ -11721,7 +11721,7 @@
           <a:p>
             <a:fld id="{0847398A-FC4A-455B-8359-DE5F3E079A17}" type="datetimeFigureOut">
               <a:rPr lang="en-US" smtClean="0"/>
-              <a:t>3/19/2022</a:t>
+              <a:t>3/23/2022</a:t>
             </a:fld>
             <a:endParaRPr lang="en-US"/>
           </a:p>
@@ -12718,7 +12718,7 @@
           <a:p>
             <a:fld id="{0847398A-FC4A-455B-8359-DE5F3E079A17}" type="datetimeFigureOut">
               <a:rPr lang="en-US" smtClean="0"/>
-              <a:t>3/19/2022</a:t>
+              <a:t>3/23/2022</a:t>
             </a:fld>
             <a:endParaRPr lang="en-US"/>
           </a:p>
@@ -14161,7 +14161,7 @@
               <a:t> </a:t>
             </a:r>
             <a:r>
-              <a:rPr lang="en-US" dirty="0" smtClean="0"/>
+              <a:rPr lang="en-US" dirty="0"/>
               <a:t>esthetic</a:t>
             </a:r>
             <a:endParaRPr lang="ro-RO" dirty="0" smtClean="0"/>
